--- a/Presentation.pptx
+++ b/Presentation.pptx
@@ -4720,7 +4720,7 @@
           <p:nvPr/>
         </p:nvPicPr>
         <p:blipFill rotWithShape="1">
-          <a:blip r:embed="rId2">
+          <a:blip r:embed="rId6">
             <a:duotone>
               <a:schemeClr val="bg2">
                 <a:shade val="45000"/>
@@ -5288,6 +5288,82 @@
           </a:p>
         </p:txBody>
       </p:sp>
+      <p:pic>
+        <p:nvPicPr>
+          <p:cNvPr id="3" name="Recorded Sound">
+            <a:hlinkClick r:id="" action="ppaction://media"/>
+            <a:extLst>
+              <a:ext uri="{FF2B5EF4-FFF2-40B4-BE49-F238E27FC236}">
+                <a16:creationId xmlns:a16="http://schemas.microsoft.com/office/drawing/2014/main" id="{CD0F863F-84F5-4428-B909-799F7055448B}"/>
+              </a:ext>
+            </a:extLst>
+          </p:cNvPr>
+          <p:cNvPicPr>
+            <a:picLocks noChangeAspect="1"/>
+          </p:cNvPicPr>
+          <p:nvPr>
+            <a:audioFile r:link="rId2"/>
+            <p:extLst>
+              <p:ext uri="{DAA4B4D4-6D71-4841-9C94-3DE7FCFB9230}">
+                <p14:media xmlns:p14="http://schemas.microsoft.com/office/powerpoint/2010/main" r:embed="rId1"/>
+              </p:ext>
+            </p:extLst>
+          </p:nvPr>
+        </p:nvPicPr>
+        <p:blipFill>
+          <a:blip r:embed="rId7"/>
+          <a:stretch>
+            <a:fillRect/>
+          </a:stretch>
+        </p:blipFill>
+        <p:spPr>
+          <a:xfrm flipV="1">
+            <a:off x="30490" y="6331256"/>
+            <a:ext cx="45719" cy="45719"/>
+          </a:xfrm>
+          <a:prstGeom prst="rect">
+            <a:avLst/>
+          </a:prstGeom>
+        </p:spPr>
+      </p:pic>
+      <p:pic>
+        <p:nvPicPr>
+          <p:cNvPr id="7" name="Recorded Sound">
+            <a:hlinkClick r:id="" action="ppaction://media"/>
+            <a:extLst>
+              <a:ext uri="{FF2B5EF4-FFF2-40B4-BE49-F238E27FC236}">
+                <a16:creationId xmlns:a16="http://schemas.microsoft.com/office/drawing/2014/main" id="{C63E86EE-33E1-4F10-96C8-619C8A917CD4}"/>
+              </a:ext>
+            </a:extLst>
+          </p:cNvPr>
+          <p:cNvPicPr>
+            <a:picLocks noChangeAspect="1"/>
+          </p:cNvPicPr>
+          <p:nvPr>
+            <a:audioFile r:link="rId4"/>
+            <p:extLst>
+              <p:ext uri="{DAA4B4D4-6D71-4841-9C94-3DE7FCFB9230}">
+                <p14:media xmlns:p14="http://schemas.microsoft.com/office/powerpoint/2010/main" r:embed="rId3"/>
+              </p:ext>
+            </p:extLst>
+          </p:nvPr>
+        </p:nvPicPr>
+        <p:blipFill>
+          <a:blip r:embed="rId7"/>
+          <a:stretch>
+            <a:fillRect/>
+          </a:stretch>
+        </p:blipFill>
+        <p:spPr>
+          <a:xfrm flipV="1">
+            <a:off x="106684" y="6330692"/>
+            <a:ext cx="45719" cy="45719"/>
+          </a:xfrm>
+          <a:prstGeom prst="rect">
+            <a:avLst/>
+          </a:prstGeom>
+        </p:spPr>
+      </p:pic>
     </p:spTree>
     <p:extLst>
       <p:ext uri="{BB962C8B-B14F-4D97-AF65-F5344CB8AC3E}">
@@ -5306,6 +5382,144 @@
       <p:transition/>
     </mc:Fallback>
   </mc:AlternateContent>
+  <p:timing>
+    <p:tnLst>
+      <p:par>
+        <p:cTn id="1" dur="indefinite" restart="never" nodeType="tmRoot">
+          <p:childTnLst>
+            <p:seq concurrent="1" nextAc="seek">
+              <p:cTn id="2" dur="indefinite" nodeType="mainSeq">
+                <p:childTnLst>
+                  <p:par>
+                    <p:cTn id="3" fill="hold">
+                      <p:stCondLst>
+                        <p:cond delay="indefinite"/>
+                      </p:stCondLst>
+                      <p:childTnLst>
+                        <p:par>
+                          <p:cTn id="4" fill="hold">
+                            <p:stCondLst>
+                              <p:cond delay="0"/>
+                            </p:stCondLst>
+                            <p:childTnLst>
+                              <p:par>
+                                <p:cTn id="5" presetID="1" presetClass="mediacall" presetSubtype="0" fill="hold" nodeType="clickEffect">
+                                  <p:stCondLst>
+                                    <p:cond delay="0"/>
+                                  </p:stCondLst>
+                                  <p:childTnLst>
+                                    <p:cmd type="call" cmd="playFrom(0.0)">
+                                      <p:cBhvr>
+                                        <p:cTn id="6" dur="9762" fill="hold"/>
+                                        <p:tgtEl>
+                                          <p:spTgt spid="3"/>
+                                        </p:tgtEl>
+                                      </p:cBhvr>
+                                    </p:cmd>
+                                  </p:childTnLst>
+                                </p:cTn>
+                              </p:par>
+                            </p:childTnLst>
+                          </p:cTn>
+                        </p:par>
+                      </p:childTnLst>
+                    </p:cTn>
+                  </p:par>
+                  <p:par>
+                    <p:cTn id="7" fill="hold">
+                      <p:stCondLst>
+                        <p:cond delay="indefinite"/>
+                      </p:stCondLst>
+                      <p:childTnLst>
+                        <p:par>
+                          <p:cTn id="8" fill="hold">
+                            <p:stCondLst>
+                              <p:cond delay="0"/>
+                            </p:stCondLst>
+                            <p:childTnLst>
+                              <p:par>
+                                <p:cTn id="9" presetID="1" presetClass="mediacall" presetSubtype="0" fill="hold" nodeType="clickEffect">
+                                  <p:stCondLst>
+                                    <p:cond delay="0"/>
+                                  </p:stCondLst>
+                                  <p:childTnLst>
+                                    <p:cmd type="call" cmd="playFrom(0.0)">
+                                      <p:cBhvr>
+                                        <p:cTn id="10" dur="17587" fill="hold"/>
+                                        <p:tgtEl>
+                                          <p:spTgt spid="7"/>
+                                        </p:tgtEl>
+                                      </p:cBhvr>
+                                    </p:cmd>
+                                  </p:childTnLst>
+                                </p:cTn>
+                              </p:par>
+                            </p:childTnLst>
+                          </p:cTn>
+                        </p:par>
+                      </p:childTnLst>
+                    </p:cTn>
+                  </p:par>
+                </p:childTnLst>
+              </p:cTn>
+              <p:prevCondLst>
+                <p:cond evt="onPrev" delay="0">
+                  <p:tgtEl>
+                    <p:sldTgt/>
+                  </p:tgtEl>
+                </p:cond>
+              </p:prevCondLst>
+              <p:nextCondLst>
+                <p:cond evt="onNext" delay="0">
+                  <p:tgtEl>
+                    <p:sldTgt/>
+                  </p:tgtEl>
+                </p:cond>
+              </p:nextCondLst>
+            </p:seq>
+            <p:audio>
+              <p:cMediaNode vol="80000">
+                <p:cTn id="11" fill="hold" display="0">
+                  <p:stCondLst>
+                    <p:cond delay="indefinite"/>
+                  </p:stCondLst>
+                  <p:endCondLst>
+                    <p:cond evt="onStopAudio" delay="0">
+                      <p:tgtEl>
+                        <p:sldTgt/>
+                      </p:tgtEl>
+                    </p:cond>
+                  </p:endCondLst>
+                </p:cTn>
+                <p:tgtEl>
+                  <p:spTgt spid="3"/>
+                </p:tgtEl>
+              </p:cMediaNode>
+            </p:audio>
+            <p:audio>
+              <p:cMediaNode vol="80000">
+                <p:cTn id="12" fill="hold" display="0">
+                  <p:stCondLst>
+                    <p:cond delay="indefinite"/>
+                  </p:stCondLst>
+                  <p:endCondLst>
+                    <p:cond evt="onStopAudio" delay="0">
+                      <p:tgtEl>
+                        <p:sldTgt/>
+                      </p:tgtEl>
+                    </p:cond>
+                  </p:endCondLst>
+                </p:cTn>
+                <p:tgtEl>
+                  <p:spTgt spid="7"/>
+                </p:tgtEl>
+              </p:cMediaNode>
+            </p:audio>
+          </p:childTnLst>
+        </p:cTn>
+      </p:par>
+    </p:tnLst>
+  </p:timing>
 </p:sld>
 </file>
 
@@ -5620,13 +5834,13 @@
           <p:nvPr/>
         </p:nvPicPr>
         <p:blipFill>
-          <a:blip r:embed="rId2">
+          <a:blip r:embed="rId4">
             <a:extLst>
               <a:ext uri="{28A0092B-C50C-407E-A947-70E740481C1C}">
                 <a14:useLocalDpi xmlns:a14="http://schemas.microsoft.com/office/drawing/2010/main" val="0"/>
               </a:ext>
               <a:ext uri="{96DAC541-7B7A-43D3-8B79-37D633B846F1}">
-                <asvg:svgBlip xmlns:asvg="http://schemas.microsoft.com/office/drawing/2016/SVG/main" r:embed="rId3"/>
+                <asvg:svgBlip xmlns:asvg="http://schemas.microsoft.com/office/drawing/2016/SVG/main" r:embed="rId5"/>
               </a:ext>
             </a:extLst>
           </a:blip>
@@ -5810,6 +6024,44 @@
           </a:fontRef>
         </p:style>
       </p:sp>
+      <p:pic>
+        <p:nvPicPr>
+          <p:cNvPr id="3" name="Recorded Sound">
+            <a:hlinkClick r:id="" action="ppaction://media"/>
+            <a:extLst>
+              <a:ext uri="{FF2B5EF4-FFF2-40B4-BE49-F238E27FC236}">
+                <a16:creationId xmlns:a16="http://schemas.microsoft.com/office/drawing/2014/main" id="{B8B7EE8C-FB40-4E09-BB87-97AC715750E6}"/>
+              </a:ext>
+            </a:extLst>
+          </p:cNvPr>
+          <p:cNvPicPr>
+            <a:picLocks noChangeAspect="1"/>
+          </p:cNvPicPr>
+          <p:nvPr>
+            <a:audioFile r:link="rId2"/>
+            <p:extLst>
+              <p:ext uri="{DAA4B4D4-6D71-4841-9C94-3DE7FCFB9230}">
+                <p14:media xmlns:p14="http://schemas.microsoft.com/office/powerpoint/2010/main" r:embed="rId1"/>
+              </p:ext>
+            </p:extLst>
+          </p:nvPr>
+        </p:nvPicPr>
+        <p:blipFill>
+          <a:blip r:embed="rId6"/>
+          <a:stretch>
+            <a:fillRect/>
+          </a:stretch>
+        </p:blipFill>
+        <p:spPr>
+          <a:xfrm flipV="1">
+            <a:off x="0" y="6328042"/>
+            <a:ext cx="70282" cy="70282"/>
+          </a:xfrm>
+          <a:prstGeom prst="rect">
+            <a:avLst/>
+          </a:prstGeom>
+        </p:spPr>
+      </p:pic>
     </p:spTree>
     <p:extLst>
       <p:ext uri="{BB962C8B-B14F-4D97-AF65-F5344CB8AC3E}">
@@ -5828,6 +6080,90 @@
       <p:transition/>
     </mc:Fallback>
   </mc:AlternateContent>
+  <p:timing>
+    <p:tnLst>
+      <p:par>
+        <p:cTn id="1" dur="indefinite" restart="never" nodeType="tmRoot">
+          <p:childTnLst>
+            <p:seq concurrent="1" nextAc="seek">
+              <p:cTn id="2" dur="indefinite" nodeType="mainSeq">
+                <p:childTnLst>
+                  <p:par>
+                    <p:cTn id="3" fill="hold">
+                      <p:stCondLst>
+                        <p:cond delay="indefinite"/>
+                      </p:stCondLst>
+                      <p:childTnLst>
+                        <p:par>
+                          <p:cTn id="4" fill="hold">
+                            <p:stCondLst>
+                              <p:cond delay="0"/>
+                            </p:stCondLst>
+                            <p:childTnLst>
+                              <p:par>
+                                <p:cTn id="5" presetID="1" presetClass="mediacall" presetSubtype="0" fill="hold" nodeType="clickEffect">
+                                  <p:stCondLst>
+                                    <p:cond delay="0"/>
+                                  </p:stCondLst>
+                                  <p:childTnLst>
+                                    <p:cmd type="call" cmd="playFrom(0.0)">
+                                      <p:cBhvr>
+                                        <p:cTn id="6" dur="21929" fill="hold"/>
+                                        <p:tgtEl>
+                                          <p:spTgt spid="3"/>
+                                        </p:tgtEl>
+                                      </p:cBhvr>
+                                    </p:cmd>
+                                  </p:childTnLst>
+                                </p:cTn>
+                              </p:par>
+                            </p:childTnLst>
+                          </p:cTn>
+                        </p:par>
+                      </p:childTnLst>
+                    </p:cTn>
+                  </p:par>
+                </p:childTnLst>
+              </p:cTn>
+              <p:prevCondLst>
+                <p:cond evt="onPrev" delay="0">
+                  <p:tgtEl>
+                    <p:sldTgt/>
+                  </p:tgtEl>
+                </p:cond>
+              </p:prevCondLst>
+              <p:nextCondLst>
+                <p:cond evt="onNext" delay="0">
+                  <p:tgtEl>
+                    <p:sldTgt/>
+                  </p:tgtEl>
+                </p:cond>
+              </p:nextCondLst>
+            </p:seq>
+            <p:audio>
+              <p:cMediaNode vol="80000">
+                <p:cTn id="7" fill="hold" display="0">
+                  <p:stCondLst>
+                    <p:cond delay="indefinite"/>
+                  </p:stCondLst>
+                  <p:endCondLst>
+                    <p:cond evt="onStopAudio" delay="0">
+                      <p:tgtEl>
+                        <p:sldTgt/>
+                      </p:tgtEl>
+                    </p:cond>
+                  </p:endCondLst>
+                </p:cTn>
+                <p:tgtEl>
+                  <p:spTgt spid="3"/>
+                </p:tgtEl>
+              </p:cMediaNode>
+            </p:audio>
+          </p:childTnLst>
+        </p:cTn>
+      </p:par>
+    </p:tnLst>
+  </p:timing>
 </p:sld>
 </file>
 
@@ -6161,7 +6497,7 @@
           <a:lstStyle/>
           <a:p>
             <a:r>
-              <a:rPr lang="en-US" sz="8000">
+              <a:rPr lang="en-US" sz="8000" dirty="0" err="1">
                 <a:solidFill>
                   <a:schemeClr val="tx1">
                     <a:lumMod val="85000"/>
@@ -6169,8 +6505,60 @@
                   </a:schemeClr>
                 </a:solidFill>
               </a:rPr>
-              <a:t>Етапи на реализацията</a:t>
-            </a:r>
+              <a:t>Етапи</a:t>
+            </a:r>
+            <a:r>
+              <a:rPr lang="en-US" sz="8000" dirty="0">
+                <a:solidFill>
+                  <a:schemeClr val="tx1">
+                    <a:lumMod val="85000"/>
+                    <a:lumOff val="15000"/>
+                  </a:schemeClr>
+                </a:solidFill>
+              </a:rPr>
+              <a:t> </a:t>
+            </a:r>
+            <a:r>
+              <a:rPr lang="en-US" sz="8000" dirty="0" err="1">
+                <a:solidFill>
+                  <a:schemeClr val="tx1">
+                    <a:lumMod val="85000"/>
+                    <a:lumOff val="15000"/>
+                  </a:schemeClr>
+                </a:solidFill>
+              </a:rPr>
+              <a:t>на</a:t>
+            </a:r>
+            <a:r>
+              <a:rPr lang="en-US" sz="8000" dirty="0">
+                <a:solidFill>
+                  <a:schemeClr val="tx1">
+                    <a:lumMod val="85000"/>
+                    <a:lumOff val="15000"/>
+                  </a:schemeClr>
+                </a:solidFill>
+              </a:rPr>
+              <a:t> </a:t>
+            </a:r>
+            <a:r>
+              <a:rPr lang="en-US" sz="8000" dirty="0" err="1">
+                <a:solidFill>
+                  <a:schemeClr val="tx1">
+                    <a:lumMod val="85000"/>
+                    <a:lumOff val="15000"/>
+                  </a:schemeClr>
+                </a:solidFill>
+              </a:rPr>
+              <a:t>реализацията</a:t>
+            </a:r>
+            <a:endParaRPr lang="en-US" sz="8000" dirty="0">
+              <a:solidFill>
+                <a:schemeClr val="tx1">
+                  <a:lumMod val="85000"/>
+                  <a:lumOff val="15000"/>
+                </a:schemeClr>
+              </a:solidFill>
+            </a:endParaRPr>
           </a:p>
         </p:txBody>
       </p:sp>

--- a/Presentation.pptx
+++ b/Presentation.pptx
@@ -230,7 +230,7 @@
           <a:p>
             <a:fld id="{4E878FF3-63D9-4048-A5A9-A6BCBB84C4AE}" type="datetimeFigureOut">
               <a:rPr lang="bg-BG" smtClean="0"/>
-              <a:t>22.11.2020 г.</a:t>
+              <a:t>26.11.2020 г.</a:t>
             </a:fld>
             <a:endParaRPr lang="bg-BG"/>
           </a:p>
@@ -894,7 +894,7 @@
           <a:p>
             <a:fld id="{83284890-85D2-4D7B-8EF5-15A9C1DB8F42}" type="datetimeFigureOut">
               <a:rPr lang="en-US" smtClean="0"/>
-              <a:t>11/22/2020</a:t>
+              <a:t>11/26/2020</a:t>
             </a:fld>
             <a:endParaRPr lang="en-US"/>
           </a:p>
@@ -1106,7 +1106,7 @@
           <a:p>
             <a:fld id="{87157CC2-0FC8-4686-B024-99790E0F5162}" type="datetimeFigureOut">
               <a:rPr lang="en-US" smtClean="0"/>
-              <a:t>11/22/2020</a:t>
+              <a:t>11/26/2020</a:t>
             </a:fld>
             <a:endParaRPr lang="en-US"/>
           </a:p>
@@ -1367,7 +1367,7 @@
           <a:p>
             <a:fld id="{F6764DA5-CD3D-4590-A511-FCD3BC7A793E}" type="datetimeFigureOut">
               <a:rPr lang="en-US" smtClean="0"/>
-              <a:t>11/22/2020</a:t>
+              <a:t>11/26/2020</a:t>
             </a:fld>
             <a:endParaRPr lang="en-US"/>
           </a:p>
@@ -1540,7 +1540,7 @@
           <a:p>
             <a:fld id="{D30BB376-B19C-488D-ABEB-03C7E6E9E3E0}" type="datetimeFigureOut">
               <a:rPr lang="en-US" smtClean="0"/>
-              <a:t>11/22/2020</a:t>
+              <a:t>11/26/2020</a:t>
             </a:fld>
             <a:endParaRPr lang="en-US" dirty="0"/>
           </a:p>
@@ -1880,7 +1880,7 @@
           <a:p>
             <a:fld id="{C6F822A4-8DA6-4447-9B1F-C5DB58435268}" type="datetimeFigureOut">
               <a:rPr lang="en-US" smtClean="0"/>
-              <a:t>11/22/2020</a:t>
+              <a:t>11/26/2020</a:t>
             </a:fld>
             <a:endParaRPr lang="en-US"/>
           </a:p>
@@ -2195,7 +2195,7 @@
           <a:p>
             <a:fld id="{E548D31E-DCDA-41A7-9C67-C4B11B94D21D}" type="datetimeFigureOut">
               <a:rPr lang="en-US" smtClean="0"/>
-              <a:t>11/22/2020</a:t>
+              <a:t>11/26/2020</a:t>
             </a:fld>
             <a:endParaRPr lang="en-US"/>
           </a:p>
@@ -2577,7 +2577,7 @@
           <a:p>
             <a:fld id="{9B3762C0-B258-48F1-ADE6-176B4174CCDD}" type="datetimeFigureOut">
               <a:rPr lang="en-US" smtClean="0"/>
-              <a:t>11/22/2020</a:t>
+              <a:t>11/26/2020</a:t>
             </a:fld>
             <a:endParaRPr lang="en-US"/>
           </a:p>
@@ -2698,7 +2698,7 @@
           <a:p>
             <a:fld id="{677919A6-33EB-49BD-A62F-1FA56B9F9712}" type="datetimeFigureOut">
               <a:rPr lang="en-US" smtClean="0"/>
-              <a:t>11/22/2020</a:t>
+              <a:t>11/26/2020</a:t>
             </a:fld>
             <a:endParaRPr lang="en-US"/>
           </a:p>
@@ -2918,7 +2918,7 @@
           <a:p>
             <a:fld id="{4D94136C-8742-45B2-AF27-D93DF72833A9}" type="datetimeFigureOut">
               <a:rPr lang="en-US" smtClean="0"/>
-              <a:t>11/22/2020</a:t>
+              <a:t>11/26/2020</a:t>
             </a:fld>
             <a:endParaRPr lang="en-US"/>
           </a:p>
@@ -3278,7 +3278,7 @@
           <a:p>
             <a:fld id="{DA16AA21-1863-4931-97CB-99D0A168701B}" type="datetimeFigureOut">
               <a:rPr lang="en-US" smtClean="0"/>
-              <a:t>11/22/2020</a:t>
+              <a:t>11/26/2020</a:t>
             </a:fld>
             <a:endParaRPr lang="en-US"/>
           </a:p>
@@ -3660,7 +3660,7 @@
           <a:p>
             <a:fld id="{3772C379-9A7C-4C87-A116-CBE9F58B04C5}" type="datetimeFigureOut">
               <a:rPr lang="en-US" smtClean="0"/>
-              <a:t>11/22/2020</a:t>
+              <a:t>11/26/2020</a:t>
             </a:fld>
             <a:endParaRPr lang="en-US"/>
           </a:p>
@@ -3952,7 +3952,7 @@
           <a:p>
             <a:fld id="{5DC5B261-8843-42D1-AAFC-05E20E2D9B97}" type="datetimeFigureOut">
               <a:rPr lang="en-US" smtClean="0"/>
-              <a:t>11/22/2020</a:t>
+              <a:t>11/26/2020</a:t>
             </a:fld>
             <a:endParaRPr lang="en-US" dirty="0"/>
           </a:p>
@@ -4705,49 +4705,6 @@
           </a:fontRef>
         </p:style>
       </p:cxnSp>
-      <p:pic>
-        <p:nvPicPr>
-          <p:cNvPr id="32" name="Picture 31">
-            <a:extLst>
-              <a:ext uri="{FF2B5EF4-FFF2-40B4-BE49-F238E27FC236}">
-                <a16:creationId xmlns:a16="http://schemas.microsoft.com/office/drawing/2014/main" id="{FF06F20B-5FE7-4AD8-9108-8B92316952CD}"/>
-              </a:ext>
-            </a:extLst>
-          </p:cNvPr>
-          <p:cNvPicPr>
-            <a:picLocks noChangeAspect="1"/>
-          </p:cNvPicPr>
-          <p:nvPr/>
-        </p:nvPicPr>
-        <p:blipFill rotWithShape="1">
-          <a:blip r:embed="rId6">
-            <a:duotone>
-              <a:schemeClr val="bg2">
-                <a:shade val="45000"/>
-                <a:satMod val="135000"/>
-              </a:schemeClr>
-              <a:prstClr val="white"/>
-            </a:duotone>
-            <a:alphaModFix amt="35000"/>
-            <a:extLst>
-              <a:ext uri="{28A0092B-C50C-407E-A947-70E740481C1C}">
-                <a14:useLocalDpi xmlns:a14="http://schemas.microsoft.com/office/drawing/2010/main" val="0"/>
-              </a:ext>
-            </a:extLst>
-          </a:blip>
-          <a:srcRect t="9932" b="10843"/>
-          <a:stretch/>
-        </p:blipFill>
-        <p:spPr>
-          <a:xfrm>
-            <a:off x="30490" y="17766"/>
-            <a:ext cx="12191980" cy="6857990"/>
-          </a:xfrm>
-          <a:prstGeom prst="rect">
-            <a:avLst/>
-          </a:prstGeom>
-        </p:spPr>
-      </p:pic>
       <p:cxnSp>
         <p:nvCxnSpPr>
           <p:cNvPr id="43" name="Straight Connector 42">
@@ -4806,43 +4763,6 @@
       </p:cxnSp>
       <p:sp>
         <p:nvSpPr>
-          <p:cNvPr id="2" name="Title 1"/>
-          <p:cNvSpPr>
-            <a:spLocks noGrp="1"/>
-          </p:cNvSpPr>
-          <p:nvPr>
-            <p:ph type="ctrTitle"/>
-          </p:nvPr>
-        </p:nvSpPr>
-        <p:spPr>
-          <a:xfrm>
-            <a:off x="4325982" y="5567571"/>
-            <a:ext cx="3540035" cy="707886"/>
-          </a:xfrm>
-        </p:spPr>
-        <p:txBody>
-          <a:bodyPr vert="horz" lIns="91440" tIns="45720" rIns="91440" bIns="45720" rtlCol="0" anchor="b">
-            <a:normAutofit fontScale="90000"/>
-          </a:bodyPr>
-          <a:lstStyle/>
-          <a:p>
-            <a:pPr algn="ctr"/>
-            <a:r>
-              <a:rPr lang="en-US" sz="4800" dirty="0">
-                <a:solidFill>
-                  <a:schemeClr val="tx1">
-                    <a:lumMod val="75000"/>
-                    <a:lumOff val="25000"/>
-                  </a:schemeClr>
-                </a:solidFill>
-              </a:rPr>
-              <a:t>11/25/2020</a:t>
-            </a:r>
-          </a:p>
-        </p:txBody>
-      </p:sp>
-      <p:sp>
-        <p:nvSpPr>
           <p:cNvPr id="5" name="Rectangle 4"/>
           <p:cNvSpPr/>
           <p:nvPr/>
@@ -5204,7 +5124,7 @@
         </p:nvSpPr>
         <p:spPr>
           <a:xfrm>
-            <a:off x="4210975" y="2019422"/>
+            <a:off x="3825081" y="406079"/>
             <a:ext cx="4541838" cy="707886"/>
           </a:xfrm>
           <a:prstGeom prst="rect">
@@ -5241,53 +5161,6 @@
           </a:p>
         </p:txBody>
       </p:sp>
-      <p:sp>
-        <p:nvSpPr>
-          <p:cNvPr id="10" name="TextBox 9">
-            <a:extLst>
-              <a:ext uri="{FF2B5EF4-FFF2-40B4-BE49-F238E27FC236}">
-                <a16:creationId xmlns:a16="http://schemas.microsoft.com/office/drawing/2014/main" id="{E956F6A3-FE94-4C05-9C17-8666AE8C2498}"/>
-              </a:ext>
-            </a:extLst>
-          </p:cNvPr>
-          <p:cNvSpPr txBox="1"/>
-          <p:nvPr/>
-        </p:nvSpPr>
-        <p:spPr>
-          <a:xfrm>
-            <a:off x="4124565" y="281020"/>
-            <a:ext cx="4003830" cy="707886"/>
-          </a:xfrm>
-          <a:prstGeom prst="rect">
-            <a:avLst/>
-          </a:prstGeom>
-          <a:noFill/>
-        </p:spPr>
-        <p:txBody>
-          <a:bodyPr wrap="square" rtlCol="0">
-            <a:spAutoFit/>
-          </a:bodyPr>
-          <a:lstStyle/>
-          <a:p>
-            <a:pPr algn="ctr"/>
-            <a:r>
-              <a:rPr lang="bg-BG" sz="4000" dirty="0">
-                <a:solidFill>
-                  <a:schemeClr val="tx2"/>
-                </a:solidFill>
-                <a:latin typeface="Whitney"/>
-              </a:rPr>
-              <a:t>ПГКПИ</a:t>
-            </a:r>
-            <a:endParaRPr lang="en-US" sz="4000" dirty="0">
-              <a:solidFill>
-                <a:schemeClr val="tx2"/>
-              </a:solidFill>
-              <a:latin typeface="Whitney"/>
-            </a:endParaRPr>
-          </a:p>
-        </p:txBody>
-      </p:sp>
       <p:pic>
         <p:nvPicPr>
           <p:cNvPr id="3" name="Recorded Sound">
@@ -5311,7 +5184,7 @@
           </p:nvPr>
         </p:nvPicPr>
         <p:blipFill>
-          <a:blip r:embed="rId7"/>
+          <a:blip r:embed="rId6"/>
           <a:stretch>
             <a:fillRect/>
           </a:stretch>
@@ -5349,7 +5222,7 @@
           </p:nvPr>
         </p:nvPicPr>
         <p:blipFill>
-          <a:blip r:embed="rId7"/>
+          <a:blip r:embed="rId6"/>
           <a:stretch>
             <a:fillRect/>
           </a:stretch>
@@ -5374,11 +5247,11 @@
   <p:clrMapOvr>
     <a:masterClrMapping/>
   </p:clrMapOvr>
-  <mc:AlternateContent xmlns:mc="http://schemas.openxmlformats.org/markup-compatibility/2006">
-    <mc:Choice xmlns:p14="http://schemas.microsoft.com/office/powerpoint/2010/main" Requires="p14">
+  <mc:AlternateContent xmlns:mc="http://schemas.openxmlformats.org/markup-compatibility/2006" xmlns:p14="http://schemas.microsoft.com/office/powerpoint/2010/main">
+    <mc:Choice Requires="p14">
       <p:transition p14:dur="0"/>
     </mc:Choice>
-    <mc:Fallback>
+    <mc:Fallback xmlns="">
       <p:transition/>
     </mc:Fallback>
   </mc:AlternateContent>
@@ -6072,14 +5945,9 @@
   <p:clrMapOvr>
     <a:masterClrMapping/>
   </p:clrMapOvr>
-  <mc:AlternateContent xmlns:mc="http://schemas.openxmlformats.org/markup-compatibility/2006">
-    <mc:Choice xmlns:p14="http://schemas.microsoft.com/office/powerpoint/2010/main" Requires="p14">
-      <p:transition p14:dur="0"/>
-    </mc:Choice>
-    <mc:Fallback>
-      <p:transition/>
-    </mc:Fallback>
-  </mc:AlternateContent>
+  <p:transition spd="slow">
+    <p:push dir="u"/>
+  </p:transition>
   <p:timing>
     <p:tnLst>
       <p:par>
@@ -6725,10 +6593,14 @@
   </p:clrMapOvr>
   <mc:AlternateContent xmlns:mc="http://schemas.openxmlformats.org/markup-compatibility/2006">
     <mc:Choice xmlns:p14="http://schemas.microsoft.com/office/powerpoint/2010/main" Requires="p14">
-      <p:transition p14:dur="0"/>
+      <p:transition spd="slow" p14:dur="1500">
+        <p:split orient="vert"/>
+      </p:transition>
     </mc:Choice>
     <mc:Fallback>
-      <p:transition/>
+      <p:transition spd="slow">
+        <p:split orient="vert"/>
+      </p:transition>
     </mc:Fallback>
   </mc:AlternateContent>
 </p:sld>
@@ -7523,14 +7395,198 @@
   <p:clrMapOvr>
     <a:masterClrMapping/>
   </p:clrMapOvr>
-  <mc:AlternateContent xmlns:mc="http://schemas.openxmlformats.org/markup-compatibility/2006">
-    <mc:Choice xmlns:p14="http://schemas.microsoft.com/office/powerpoint/2010/main" Requires="p14">
-      <p:transition p14:dur="0"/>
-    </mc:Choice>
-    <mc:Fallback>
-      <p:transition/>
-    </mc:Fallback>
-  </mc:AlternateContent>
+  <p:transition spd="med">
+    <p:pull/>
+  </p:transition>
+  <p:timing>
+    <p:tnLst>
+      <p:par>
+        <p:cTn id="1" dur="indefinite" restart="never" nodeType="tmRoot">
+          <p:childTnLst>
+            <p:seq concurrent="1" nextAc="seek">
+              <p:cTn id="2" dur="indefinite" nodeType="mainSeq">
+                <p:childTnLst>
+                  <p:par>
+                    <p:cTn id="3" fill="hold">
+                      <p:stCondLst>
+                        <p:cond delay="indefinite"/>
+                      </p:stCondLst>
+                      <p:childTnLst>
+                        <p:par>
+                          <p:cTn id="4" fill="hold">
+                            <p:stCondLst>
+                              <p:cond delay="0"/>
+                            </p:stCondLst>
+                            <p:childTnLst>
+                              <p:par>
+                                <p:cTn id="5" presetID="14" presetClass="entr" presetSubtype="10" fill="hold" nodeType="clickEffect">
+                                  <p:stCondLst>
+                                    <p:cond delay="0"/>
+                                  </p:stCondLst>
+                                  <p:childTnLst>
+                                    <p:set>
+                                      <p:cBhvr>
+                                        <p:cTn id="6" dur="1" fill="hold">
+                                          <p:stCondLst>
+                                            <p:cond delay="0"/>
+                                          </p:stCondLst>
+                                        </p:cTn>
+                                        <p:tgtEl>
+                                          <p:spTgt spid="7"/>
+                                        </p:tgtEl>
+                                        <p:attrNameLst>
+                                          <p:attrName>style.visibility</p:attrName>
+                                        </p:attrNameLst>
+                                      </p:cBhvr>
+                                      <p:to>
+                                        <p:strVal val="visible"/>
+                                      </p:to>
+                                    </p:set>
+                                    <p:animEffect transition="in" filter="randombar(horizontal)">
+                                      <p:cBhvr>
+                                        <p:cTn id="7" dur="500"/>
+                                        <p:tgtEl>
+                                          <p:spTgt spid="7"/>
+                                        </p:tgtEl>
+                                      </p:cBhvr>
+                                    </p:animEffect>
+                                  </p:childTnLst>
+                                </p:cTn>
+                              </p:par>
+                            </p:childTnLst>
+                          </p:cTn>
+                        </p:par>
+                      </p:childTnLst>
+                    </p:cTn>
+                  </p:par>
+                  <p:par>
+                    <p:cTn id="8" fill="hold">
+                      <p:stCondLst>
+                        <p:cond delay="indefinite"/>
+                      </p:stCondLst>
+                      <p:childTnLst>
+                        <p:par>
+                          <p:cTn id="9" fill="hold">
+                            <p:stCondLst>
+                              <p:cond delay="0"/>
+                            </p:stCondLst>
+                            <p:childTnLst>
+                              <p:par>
+                                <p:cTn id="10" presetID="14" presetClass="entr" presetSubtype="10" fill="hold" nodeType="clickEffect">
+                                  <p:stCondLst>
+                                    <p:cond delay="0"/>
+                                  </p:stCondLst>
+                                  <p:childTnLst>
+                                    <p:set>
+                                      <p:cBhvr>
+                                        <p:cTn id="11" dur="1" fill="hold">
+                                          <p:stCondLst>
+                                            <p:cond delay="0"/>
+                                          </p:stCondLst>
+                                        </p:cTn>
+                                        <p:tgtEl>
+                                          <p:spTgt spid="1028"/>
+                                        </p:tgtEl>
+                                        <p:attrNameLst>
+                                          <p:attrName>style.visibility</p:attrName>
+                                        </p:attrNameLst>
+                                      </p:cBhvr>
+                                      <p:to>
+                                        <p:strVal val="visible"/>
+                                      </p:to>
+                                    </p:set>
+                                    <p:animEffect transition="in" filter="randombar(horizontal)">
+                                      <p:cBhvr>
+                                        <p:cTn id="12" dur="500"/>
+                                        <p:tgtEl>
+                                          <p:spTgt spid="1028"/>
+                                        </p:tgtEl>
+                                      </p:cBhvr>
+                                    </p:animEffect>
+                                  </p:childTnLst>
+                                </p:cTn>
+                              </p:par>
+                            </p:childTnLst>
+                          </p:cTn>
+                        </p:par>
+                      </p:childTnLst>
+                    </p:cTn>
+                  </p:par>
+                  <p:par>
+                    <p:cTn id="13" fill="hold">
+                      <p:stCondLst>
+                        <p:cond delay="indefinite"/>
+                      </p:stCondLst>
+                      <p:childTnLst>
+                        <p:par>
+                          <p:cTn id="14" fill="hold">
+                            <p:stCondLst>
+                              <p:cond delay="0"/>
+                            </p:stCondLst>
+                            <p:childTnLst>
+                              <p:par>
+                                <p:cTn id="15" presetID="14" presetClass="entr" presetSubtype="10" fill="hold" nodeType="clickEffect">
+                                  <p:stCondLst>
+                                    <p:cond delay="0"/>
+                                  </p:stCondLst>
+                                  <p:childTnLst>
+                                    <p:set>
+                                      <p:cBhvr>
+                                        <p:cTn id="16" dur="1" fill="hold">
+                                          <p:stCondLst>
+                                            <p:cond delay="0"/>
+                                          </p:stCondLst>
+                                        </p:cTn>
+                                        <p:tgtEl>
+                                          <p:spTgt spid="4"/>
+                                        </p:tgtEl>
+                                        <p:attrNameLst>
+                                          <p:attrName>style.visibility</p:attrName>
+                                        </p:attrNameLst>
+                                      </p:cBhvr>
+                                      <p:to>
+                                        <p:strVal val="visible"/>
+                                      </p:to>
+                                    </p:set>
+                                    <p:animEffect transition="in" filter="randombar(horizontal)">
+                                      <p:cBhvr>
+                                        <p:cTn id="17" dur="500"/>
+                                        <p:tgtEl>
+                                          <p:spTgt spid="4"/>
+                                        </p:tgtEl>
+                                      </p:cBhvr>
+                                    </p:animEffect>
+                                  </p:childTnLst>
+                                </p:cTn>
+                              </p:par>
+                            </p:childTnLst>
+                          </p:cTn>
+                        </p:par>
+                      </p:childTnLst>
+                    </p:cTn>
+                  </p:par>
+                </p:childTnLst>
+              </p:cTn>
+              <p:prevCondLst>
+                <p:cond evt="onPrev" delay="0">
+                  <p:tgtEl>
+                    <p:sldTgt/>
+                  </p:tgtEl>
+                </p:cond>
+              </p:prevCondLst>
+              <p:nextCondLst>
+                <p:cond evt="onNext" delay="0">
+                  <p:tgtEl>
+                    <p:sldTgt/>
+                  </p:tgtEl>
+                </p:cond>
+              </p:nextCondLst>
+            </p:seq>
+          </p:childTnLst>
+        </p:cTn>
+      </p:par>
+    </p:tnLst>
+  </p:timing>
 </p:sld>
 </file>
 
@@ -8033,14 +8089,9 @@
   <p:clrMapOvr>
     <a:masterClrMapping/>
   </p:clrMapOvr>
-  <mc:AlternateContent xmlns:mc="http://schemas.openxmlformats.org/markup-compatibility/2006">
-    <mc:Choice xmlns:p14="http://schemas.microsoft.com/office/powerpoint/2010/main" Requires="p14">
-      <p:transition p14:dur="0"/>
-    </mc:Choice>
-    <mc:Fallback>
-      <p:transition/>
-    </mc:Fallback>
-  </mc:AlternateContent>
+  <p:transition spd="slow">
+    <p:cover/>
+  </p:transition>
 </p:sld>
 </file>
 
@@ -8560,10 +8611,14 @@
   </p:clrMapOvr>
   <mc:AlternateContent xmlns:mc="http://schemas.openxmlformats.org/markup-compatibility/2006">
     <mc:Choice xmlns:p14="http://schemas.microsoft.com/office/powerpoint/2010/main" Requires="p14">
-      <p:transition p14:dur="0"/>
+      <p:transition spd="slow">
+        <p14:flash/>
+      </p:transition>
     </mc:Choice>
     <mc:Fallback>
-      <p:transition/>
+      <p:transition spd="slow">
+        <p:fade/>
+      </p:transition>
     </mc:Fallback>
   </mc:AlternateContent>
 </p:sld>
@@ -9114,6 +9169,21 @@
 </file>
 
 <file path=customXml/item1.xml><?xml version="1.0" encoding="utf-8"?>
+<p:properties xmlns:p="http://schemas.microsoft.com/office/2006/metadata/properties" xmlns:xsi="http://www.w3.org/2001/XMLSchema-instance" xmlns:pc="http://schemas.microsoft.com/office/infopath/2007/PartnerControls">
+  <documentManagement/>
+</p:properties>
+</file>
+
+<file path=customXml/item2.xml><?xml version="1.0" encoding="utf-8"?>
+<?mso-contentType ?>
+<FormTemplates xmlns="http://schemas.microsoft.com/sharepoint/v3/contenttype/forms">
+  <Display>DocumentLibraryForm</Display>
+  <Edit>DocumentLibraryForm</Edit>
+  <New>DocumentLibraryForm</New>
+</FormTemplates>
+</file>
+
+<file path=customXml/item3.xml><?xml version="1.0" encoding="utf-8"?>
 <ct:contentTypeSchema xmlns:ct="http://schemas.microsoft.com/office/2006/metadata/contentType" xmlns:ma="http://schemas.microsoft.com/office/2006/metadata/properties/metaAttributes" ct:_="" ma:_="" ma:contentTypeName="Document" ma:contentTypeID="0x0101003793F33423CAB540876E07D1711AC023" ma:contentTypeVersion="5" ma:contentTypeDescription="Create a new document." ma:contentTypeScope="" ma:versionID="abfe9e28213b4758d1c20d852584f265">
   <xsd:schema xmlns:xsd="http://www.w3.org/2001/XMLSchema" xmlns:xs="http://www.w3.org/2001/XMLSchema" xmlns:p="http://schemas.microsoft.com/office/2006/metadata/properties" xmlns:ns2="44b5bade-0608-4775-89b1-ce8643f31210" targetNamespace="http://schemas.microsoft.com/office/2006/metadata/properties" ma:root="true" ma:fieldsID="5481ee06df4cb0237fe73c831910cb77" ns2:_="">
     <xsd:import namespace="44b5bade-0608-4775-89b1-ce8643f31210"/>
@@ -9263,22 +9333,31 @@
 </ct:contentTypeSchema>
 </file>
 
-<file path=customXml/item2.xml><?xml version="1.0" encoding="utf-8"?>
-<?mso-contentType ?>
-<FormTemplates xmlns="http://schemas.microsoft.com/sharepoint/v3/contenttype/forms">
-  <Display>DocumentLibraryForm</Display>
-  <Edit>DocumentLibraryForm</Edit>
-  <New>DocumentLibraryForm</New>
-</FormTemplates>
+<file path=customXml/itemProps1.xml><?xml version="1.0" encoding="utf-8"?>
+<ds:datastoreItem xmlns:ds="http://schemas.openxmlformats.org/officeDocument/2006/customXml" ds:itemID="{A84C556A-A7EE-4541-94B5-0EC8AD757A70}">
+  <ds:schemaRefs>
+    <ds:schemaRef ds:uri="http://schemas.microsoft.com/office/2006/metadata/properties"/>
+    <ds:schemaRef ds:uri="44b5bade-0608-4775-89b1-ce8643f31210"/>
+    <ds:schemaRef ds:uri="http://schemas.microsoft.com/office/2006/documentManagement/types"/>
+    <ds:schemaRef ds:uri="http://purl.org/dc/dcmitype/"/>
+    <ds:schemaRef ds:uri="http://purl.org/dc/terms/"/>
+    <ds:schemaRef ds:uri="http://purl.org/dc/elements/1.1/"/>
+    <ds:schemaRef ds:uri="http://schemas.microsoft.com/office/infopath/2007/PartnerControls"/>
+    <ds:schemaRef ds:uri="http://schemas.openxmlformats.org/package/2006/metadata/core-properties"/>
+    <ds:schemaRef ds:uri="http://www.w3.org/XML/1998/namespace"/>
+  </ds:schemaRefs>
+</ds:datastoreItem>
 </file>
 
-<file path=customXml/item3.xml><?xml version="1.0" encoding="utf-8"?>
-<p:properties xmlns:p="http://schemas.microsoft.com/office/2006/metadata/properties" xmlns:xsi="http://www.w3.org/2001/XMLSchema-instance" xmlns:pc="http://schemas.microsoft.com/office/infopath/2007/PartnerControls">
-  <documentManagement/>
-</p:properties>
+<file path=customXml/itemProps2.xml><?xml version="1.0" encoding="utf-8"?>
+<ds:datastoreItem xmlns:ds="http://schemas.openxmlformats.org/officeDocument/2006/customXml" ds:itemID="{86E9E3A7-1066-403D-8B34-EA133FEAB752}">
+  <ds:schemaRefs>
+    <ds:schemaRef ds:uri="http://schemas.microsoft.com/sharepoint/v3/contenttype/forms"/>
+  </ds:schemaRefs>
+</ds:datastoreItem>
 </file>
 
-<file path=customXml/itemProps1.xml><?xml version="1.0" encoding="utf-8"?>
+<file path=customXml/itemProps3.xml><?xml version="1.0" encoding="utf-8"?>
 <ds:datastoreItem xmlns:ds="http://schemas.openxmlformats.org/officeDocument/2006/customXml" ds:itemID="{1E00ECE0-40F6-4C84-A4B1-BD707658F4D0}">
   <ds:schemaRefs>
     <ds:schemaRef ds:uri="44b5bade-0608-4775-89b1-ce8643f31210"/>
@@ -9294,28 +9373,4 @@
     <ds:schemaRef ds:uri="http://www.w3.org/2001/XMLSchema"/>
   </ds:schemaRefs>
 </ds:datastoreItem>
-</file>
-
-<file path=customXml/itemProps2.xml><?xml version="1.0" encoding="utf-8"?>
-<ds:datastoreItem xmlns:ds="http://schemas.openxmlformats.org/officeDocument/2006/customXml" ds:itemID="{86E9E3A7-1066-403D-8B34-EA133FEAB752}">
-  <ds:schemaRefs>
-    <ds:schemaRef ds:uri="http://schemas.microsoft.com/sharepoint/v3/contenttype/forms"/>
-  </ds:schemaRefs>
-</ds:datastoreItem>
-</file>
-
-<file path=customXml/itemProps3.xml><?xml version="1.0" encoding="utf-8"?>
-<ds:datastoreItem xmlns:ds="http://schemas.openxmlformats.org/officeDocument/2006/customXml" ds:itemID="{A84C556A-A7EE-4541-94B5-0EC8AD757A70}">
-  <ds:schemaRefs>
-    <ds:schemaRef ds:uri="http://schemas.microsoft.com/office/2006/metadata/properties"/>
-    <ds:schemaRef ds:uri="44b5bade-0608-4775-89b1-ce8643f31210"/>
-    <ds:schemaRef ds:uri="http://schemas.microsoft.com/office/2006/documentManagement/types"/>
-    <ds:schemaRef ds:uri="http://purl.org/dc/dcmitype/"/>
-    <ds:schemaRef ds:uri="http://purl.org/dc/terms/"/>
-    <ds:schemaRef ds:uri="http://purl.org/dc/elements/1.1/"/>
-    <ds:schemaRef ds:uri="http://schemas.microsoft.com/office/infopath/2007/PartnerControls"/>
-    <ds:schemaRef ds:uri="http://schemas.openxmlformats.org/package/2006/metadata/core-properties"/>
-    <ds:schemaRef ds:uri="http://www.w3.org/XML/1998/namespace"/>
-  </ds:schemaRefs>
-</ds:datastoreItem>
 </file>